--- a/Лекции/ИТиП 3 лек 5.pptx
+++ b/Лекции/ИТиП 3 лек 5.pptx
@@ -237,7 +237,7 @@
             <a:fld id="{AA2F9473-F066-431E-A6E8-1D478C995A6B}" type="datetimeFigureOut">
               <a:rPr lang="en-US" smtClean="0"/>
               <a:pPr/>
-              <a:t>3/11/2024</a:t>
+              <a:t>11/1/2024</a:t>
             </a:fld>
             <a:endParaRPr lang="en-US"/>
           </a:p>
@@ -18162,7 +18162,7 @@
         <p:spPr>
           <a:xfrm>
             <a:off x="84667" y="110496"/>
-            <a:ext cx="12107333" cy="4154984"/>
+            <a:ext cx="12107333" cy="3785652"/>
           </a:xfrm>
           <a:prstGeom prst="rect">
             <a:avLst/>
@@ -18325,7 +18325,25 @@
                 </a:solidFill>
                 <a:latin typeface="Cascadia Mono" panose="020B0609020000020004" pitchFamily="49" charset="0"/>
               </a:rPr>
-              <a:t>(500);      </a:t>
+              <a:t>(500</a:t>
+            </a:r>
+            <a:r>
+              <a:rPr lang="ru-RU" sz="2400" dirty="0" smtClean="0">
+                <a:solidFill>
+                  <a:srgbClr val="000000"/>
+                </a:solidFill>
+                <a:latin typeface="Cascadia Mono" panose="020B0609020000020004" pitchFamily="49" charset="0"/>
+              </a:rPr>
+              <a:t>);</a:t>
+            </a:r>
+            <a:r>
+              <a:rPr lang="ru-RU" sz="2400" dirty="0" smtClean="0">
+                <a:solidFill>
+                  <a:srgbClr val="008000"/>
+                </a:solidFill>
+                <a:latin typeface="Cascadia Mono" panose="020B0609020000020004" pitchFamily="49" charset="0"/>
+              </a:rPr>
+              <a:t>// </a:t>
             </a:r>
             <a:r>
               <a:rPr lang="ru-RU" sz="2400" dirty="0">
@@ -18334,7 +18352,7 @@
                 </a:solidFill>
                 <a:latin typeface="Cascadia Mono" panose="020B0609020000020004" pitchFamily="49" charset="0"/>
               </a:rPr>
-              <a:t>// задержка выполнения на 500 миллисекунд</a:t>
+              <a:t>задержка выполнения на 500 миллисекунд</a:t>
             </a:r>
             <a:endParaRPr lang="ru-RU" sz="2400" dirty="0">
               <a:solidFill>
